--- a/Project1.pptx
+++ b/Project1.pptx
@@ -7215,9 +7215,40 @@
         </p:spPr>
         <p:txBody>
           <a:bodyPr spcFirstLastPara="1" wrap="square" lIns="91425" tIns="91425" rIns="91425" bIns="91425" anchor="t" anchorCtr="0">
-            <a:normAutofit fontScale="85000" lnSpcReduction="20000"/>
+            <a:normAutofit fontScale="70000" lnSpcReduction="20000"/>
           </a:bodyPr>
           <a:lstStyle/>
+          <a:p>
+            <a:pPr marL="114300" indent="0">
+              <a:buNone/>
+            </a:pPr>
+            <a:r>
+              <a:rPr lang="en" dirty="0">
+                <a:latin typeface="Times New Roman" panose="02020603050405020304" pitchFamily="18" charset="0"/>
+              </a:rPr>
+              <a:t>Food deserts do not necessarily mean food insecurity.   USDA Food Security Supplement surveys reported that 3.1%  of  U.S. households surveyed said they sometimes or often did not have enough to eat, 16% reported that they had enough to eat but not always the kinds of foods they wanted to eat, and 81% reported t</a:t>
+            </a:r>
+            <a:r>
+              <a:rPr lang="en-US" dirty="0">
+                <a:latin typeface="Times New Roman" panose="02020603050405020304" pitchFamily="18" charset="0"/>
+              </a:rPr>
+              <a:t>ha</a:t>
+            </a:r>
+            <a:r>
+              <a:rPr lang="en" dirty="0">
+                <a:latin typeface="Times New Roman" panose="02020603050405020304" pitchFamily="18" charset="0"/>
+              </a:rPr>
+              <a:t>t they always had access to the kinds of foods they wanted to eat.   Of those who could not get the kinds of foods they wanted, half said it was too difficult to get to the store or the store did not have those foods.  These reports did not consider the nutritional value of the foods.</a:t>
+            </a:r>
+          </a:p>
+          <a:p>
+            <a:pPr marL="114300" indent="0" algn="l">
+              <a:buNone/>
+            </a:pPr>
+            <a:endParaRPr lang="en" dirty="0">
+              <a:latin typeface="Times New Roman" panose="02020603050405020304" pitchFamily="18" charset="0"/>
+            </a:endParaRPr>
+          </a:p>
           <a:p>
             <a:pPr marL="114300" indent="0" algn="l">
               <a:buNone/>
@@ -7228,6 +7259,15 @@
               </a:rPr>
               <a:t>The problem of food inequity in the United States is not one of lack of availability.  The USDA estimates that 34% of food in the United States is wasted.    </a:t>
             </a:r>
+            <a:r>
+              <a:rPr lang="en">
+                <a:latin typeface="Times New Roman" panose="02020603050405020304" pitchFamily="18" charset="0"/>
+              </a:rPr>
+              <a:t>Food inequtity in this environment is unconscionable.</a:t>
+            </a:r>
+            <a:endParaRPr lang="en" dirty="0">
+              <a:latin typeface="Times New Roman" panose="02020603050405020304" pitchFamily="18" charset="0"/>
+            </a:endParaRPr>
           </a:p>
           <a:p>
             <a:pPr marL="114300" indent="0" algn="l">
@@ -7246,25 +7286,6 @@
                 <a:latin typeface="Times New Roman" panose="02020603050405020304" pitchFamily="18" charset="0"/>
               </a:rPr>
               <a:t>Many studies have been conducted on food deserts in the United States over the last 20 years.   Many programs have been developed to address the issue of food inequality by federal, state, and local governments, and by private organizations.   Hundreds of millions of dollars have been spent on these programs.  Yet despite these efforts, food inequity continues.  </a:t>
-            </a:r>
-          </a:p>
-          <a:p>
-            <a:pPr marL="114300" indent="0" algn="l">
-              <a:buNone/>
-            </a:pPr>
-            <a:endParaRPr lang="en" dirty="0">
-              <a:latin typeface="Times New Roman" panose="02020603050405020304" pitchFamily="18" charset="0"/>
-            </a:endParaRPr>
-          </a:p>
-          <a:p>
-            <a:pPr marL="114300" indent="0" algn="l">
-              <a:buNone/>
-            </a:pPr>
-            <a:r>
-              <a:rPr lang="en" dirty="0">
-                <a:latin typeface="Times New Roman" panose="02020603050405020304" pitchFamily="18" charset="0"/>
-              </a:rPr>
-              <a:t>Members of communities with average incomes in the lowest quartile are __ as likely to be overweight, _ as likely to have diabetes.   The National Institutes of Health estimates that these two factors cost $800 billion per year in health care costs alone.    </a:t>
             </a:r>
           </a:p>
           <a:p>
@@ -7891,7 +7912,7 @@
         </p:spPr>
         <p:txBody>
           <a:bodyPr spcFirstLastPara="1" wrap="square" lIns="91425" tIns="91425" rIns="91425" bIns="91425" anchor="t" anchorCtr="0">
-            <a:normAutofit lnSpcReduction="10000"/>
+            <a:normAutofit/>
           </a:bodyPr>
           <a:lstStyle/>
           <a:p>
@@ -7944,28 +7965,27 @@
               <a:rPr lang="en" dirty="0">
                 <a:latin typeface="Times New Roman" panose="02020603050405020304" pitchFamily="18" charset="0"/>
               </a:rPr>
-              <a:t>Food deserts do not necessarily mean food insecurity.   USDA Food Security Supplement surveys reported that 3.1%  of  U.S. households surveyed said they sometimes or often did not have enough to eat, 16% reported that they had enough to eat but not always the kinds of foods they wanted to eat, and 81% reported t</a:t>
+              <a:t>Food deserts disproportionately affect communities of color.   </a:t>
             </a:r>
-            <a:r>
-              <a:rPr lang="en-US" dirty="0">
-                <a:latin typeface="Times New Roman" panose="02020603050405020304" pitchFamily="18" charset="0"/>
-              </a:rPr>
-              <a:t>ha</a:t>
-            </a:r>
+          </a:p>
+          <a:p>
+            <a:pPr marL="114300" indent="0" algn="l">
+              <a:buNone/>
+            </a:pPr>
+            <a:endParaRPr lang="en" dirty="0">
+              <a:latin typeface="Times New Roman" panose="02020603050405020304" pitchFamily="18" charset="0"/>
+            </a:endParaRPr>
+          </a:p>
+          <a:p>
+            <a:pPr marL="114300" indent="0" algn="l">
+              <a:buNone/>
+            </a:pPr>
             <a:r>
               <a:rPr lang="en" dirty="0">
                 <a:latin typeface="Times New Roman" panose="02020603050405020304" pitchFamily="18" charset="0"/>
               </a:rPr>
-              <a:t>t they always had access to the kinds of foods they wanted to eat.   Of those who could not get the kinds of foods they wanted, half said it was too difficult to get to the store or the store did not have those foods.  These reports did not consider the nutritional value of the foods.</a:t>
+              <a:t>In the United States, food deserts are not the same thing as a lack of availability of any food.   But inadequate nutrition in food consumed leads to health issues such as obesity and diabetes.  In addition to social inequity, these two problems alone result in over $800 billion in health care costs annually.</a:t>
             </a:r>
-          </a:p>
-          <a:p>
-            <a:pPr marL="114300" indent="0" algn="l">
-              <a:buNone/>
-            </a:pPr>
-            <a:endParaRPr lang="en" dirty="0">
-              <a:latin typeface="Times New Roman" panose="02020603050405020304" pitchFamily="18" charset="0"/>
-            </a:endParaRPr>
           </a:p>
           <a:p>
             <a:pPr marL="0" lvl="0" indent="0" algn="l" rtl="0">
@@ -8368,7 +8388,7 @@
         <p:spPr/>
         <p:txBody>
           <a:bodyPr>
-            <a:normAutofit fontScale="77500" lnSpcReduction="20000"/>
+            <a:normAutofit fontScale="70000" lnSpcReduction="20000"/>
           </a:bodyPr>
           <a:lstStyle/>
           <a:p>
@@ -8381,7 +8401,7 @@
             </a:r>
             <a:r>
               <a:rPr lang="en-US" dirty="0"/>
-              <a:t>:    A food desert in a rural area has been defined as an area where the nearest large grocery store is more than ten miles away (Ver Ploeg, 2009).   Travel is a significant dollar cost of obtaining food in rural areas.  In rural and suburban areas, people of all incomes, travel miles to shop at grocery stores for over 85% of their food purchases.   </a:t>
+              <a:t>:    A food desert in a rural area has been defined as an area where the nearest large grocery store is more than ten miles away (Ver Ploeg, 2009).   Travel is a significant dollar cost of obtaining food in rural areas.  In rural and suburban areas, people of all incomes, travel miles to shop at grocery stores for over 85% of their food purchases.    The Department of Transportation estimates that, overall, rural families spend $10,300 on transportation.</a:t>
             </a:r>
           </a:p>
           <a:p>
@@ -8396,7 +8416,7 @@
             </a:pPr>
             <a:r>
               <a:rPr lang="en-US" dirty="0"/>
-              <a:t>In Maryland, for example, the average distance to a grocery store with nutritious options for SNAP recipients was 1.8 miles, yet SNAP recipients who had stores in their neighborhoods reported traveling 4.9 miles to the store where they shopped mostly frequently, and those who did not have grocery stores in their neighborhoods travelled 9.2 miles.    </a:t>
+              <a:t>In Maryland,  the average distance to a grocery store with nutritious options for SNAP recipients was 1.8 miles, yet SNAP recipients who had stores in their neighborhoods reported traveling 4.9 miles to the store where they shopped mostly frequently, and those who did not have grocery stores in their neighborhoods travelled 9.2 miles.    </a:t>
             </a:r>
           </a:p>
           <a:p>
@@ -8512,7 +8532,7 @@
         </p:spPr>
         <p:txBody>
           <a:bodyPr spcFirstLastPara="1" wrap="square" lIns="91425" tIns="91425" rIns="91425" bIns="91425" anchor="t" anchorCtr="0">
-            <a:normAutofit/>
+            <a:normAutofit fontScale="92500"/>
           </a:bodyPr>
           <a:lstStyle/>
           <a:p>
@@ -8525,6 +8545,55 @@
               </a:spcAft>
               <a:buNone/>
             </a:pPr>
+            <a:r>
+              <a:rPr lang="en-US" dirty="0"/>
+              <a:t>Many programs designed to address food inequity and food deserts have focused on increasing access to stores that sell healthy food. </a:t>
+            </a:r>
+          </a:p>
+          <a:p>
+            <a:pPr marL="0" lvl="0" indent="0" algn="l" rtl="0">
+              <a:spcBef>
+                <a:spcPts val="0"/>
+              </a:spcBef>
+              <a:spcAft>
+                <a:spcPts val="1200"/>
+              </a:spcAft>
+              <a:buNone/>
+            </a:pPr>
+            <a:r>
+              <a:rPr lang="en-US" dirty="0"/>
+              <a:t>Newer studies have suggested that increased access to stores selling healthy food does little to increase consumption of healthy food, and consumer choice may play a much larger role.</a:t>
+            </a:r>
+          </a:p>
+          <a:p>
+            <a:pPr marL="0" lvl="0" indent="0" algn="l" rtl="0">
+              <a:spcBef>
+                <a:spcPts val="0"/>
+              </a:spcBef>
+              <a:spcAft>
+                <a:spcPts val="1200"/>
+              </a:spcAft>
+              <a:buNone/>
+            </a:pPr>
+            <a:r>
+              <a:rPr lang="en-US" dirty="0"/>
+              <a:t>One study of people who moved to an environment where healthy food was available did not change to consuming more healthy and nutritious food over the several years of the study.</a:t>
+            </a:r>
+          </a:p>
+          <a:p>
+            <a:pPr marL="0" lvl="0" indent="0" algn="l" rtl="0">
+              <a:spcBef>
+                <a:spcPts val="0"/>
+              </a:spcBef>
+              <a:spcAft>
+                <a:spcPts val="1200"/>
+              </a:spcAft>
+              <a:buNone/>
+            </a:pPr>
+            <a:r>
+              <a:rPr lang="en-US" dirty="0"/>
+              <a:t>Education and knowledge about nutrition seem to play an important role in food choice.</a:t>
+            </a:r>
             <a:endParaRPr dirty="0"/>
           </a:p>
         </p:txBody>
@@ -8630,7 +8699,7 @@
               </a:spcAft>
               <a:buNone/>
             </a:pPr>
-            <a:endParaRPr/>
+            <a:endParaRPr dirty="0"/>
           </a:p>
         </p:txBody>
       </p:sp>
